--- a/ADS_Team12_VW Presentation.pptx
+++ b/ADS_Team12_VW Presentation.pptx
@@ -132,7 +132,7 @@
   </p:defaultTextStyle>
   <p:extLst>
     <p:ext uri="{EFAFB233-063F-42B5-8137-9DF3F51BA10A}">
-      <p15:sldGuideLst xmlns:p15="http://schemas.microsoft.com/office/powerpoint/2012/main">
+      <p15:sldGuideLst xmlns:p15="http://schemas.microsoft.com/office/powerpoint/2012/main" xmlns="">
         <p15:guide id="1" orient="horz" pos="1620">
           <p15:clr>
             <a:srgbClr val="A4A3A4"/>
@@ -232,7 +232,7 @@
             <a:fld id="{24E786B8-550F-4E89-B1A6-31486A806257}" type="datetimeFigureOut">
               <a:rPr lang="zh-CN" altLang="en-US" smtClean="0"/>
               <a:pPr/>
-              <a:t>2016/12/9</a:t>
+              <a:t>12/9/16</a:t>
             </a:fld>
             <a:endParaRPr lang="zh-CN" altLang="en-US"/>
           </a:p>
@@ -583,7 +583,7 @@
           </a:ln>
           <a:extLst>
             <a:ext uri="{AF507438-7753-43e0-B8FC-AC1667EBCBE1}">
-              <a14:hiddenEffects xmlns="" xmlns:a14="http://schemas.microsoft.com/office/drawing/2010/main">
+              <a14:hiddenEffects xmlns:a14="http://schemas.microsoft.com/office/drawing/2010/main">
                 <a:effectLst>
                   <a:outerShdw blurRad="63500" dist="38099" dir="2700000" algn="ctr" rotWithShape="0">
                     <a:srgbClr val="000000">
@@ -618,14 +618,14 @@
           <a:ln/>
           <a:extLst>
             <a:ext uri="{909E8E84-426E-40dd-AFC4-6F175D3DCCD1}">
-              <a14:hiddenFill xmlns="" xmlns:a14="http://schemas.microsoft.com/office/drawing/2010/main">
+              <a14:hiddenFill xmlns:a14="http://schemas.microsoft.com/office/drawing/2010/main">
                 <a:solidFill>
                   <a:srgbClr val="FFFFFF"/>
                 </a:solidFill>
               </a14:hiddenFill>
             </a:ext>
             <a:ext uri="{91240B29-F687-4f45-9708-019B960494DF}">
-              <a14:hiddenLine xmlns="" xmlns:a14="http://schemas.microsoft.com/office/drawing/2010/main" w="9525">
+              <a14:hiddenLine xmlns:a14="http://schemas.microsoft.com/office/drawing/2010/main" w="9525">
                 <a:solidFill>
                   <a:srgbClr val="808080"/>
                 </a:solidFill>
@@ -635,7 +635,7 @@
               </a14:hiddenLine>
             </a:ext>
             <a:ext uri="{AF507438-7753-43e0-B8FC-AC1667EBCBE1}">
-              <a14:hiddenEffects xmlns="" xmlns:a14="http://schemas.microsoft.com/office/drawing/2010/main">
+              <a14:hiddenEffects xmlns:a14="http://schemas.microsoft.com/office/drawing/2010/main">
                 <a:effectLst>
                   <a:outerShdw blurRad="63500" dist="38099" dir="2700000" algn="ctr" rotWithShape="0">
                     <a:srgbClr val="000000">
@@ -1185,7 +1185,7 @@
           <a:p>
             <a:fld id="{353C3D22-615E-4D67-8EBB-A5AE7845FA81}" type="datetimeFigureOut">
               <a:rPr lang="zh-CN" altLang="en-US" smtClean="0"/>
-              <a:t>2016/12/9</a:t>
+              <a:t>12/9/16</a:t>
             </a:fld>
             <a:endParaRPr lang="zh-CN" altLang="en-US"/>
           </a:p>
@@ -1587,7 +1587,7 @@
         <p:spPr>
           <a:xfrm>
             <a:off x="1174383" y="461424"/>
-            <a:ext cx="6919921" cy="2554545"/>
+            <a:ext cx="6919921" cy="2308324"/>
           </a:xfrm>
           <a:prstGeom prst="rect">
             <a:avLst/>
@@ -1643,15 +1643,87 @@
           </a:p>
           <a:p>
             <a:pPr algn="ctr"/>
-            <a:r>
-              <a:rPr kumimoji="1" lang="zh-CN" altLang="en-US" sz="4000" dirty="0" smtClean="0">
+            <a:endParaRPr kumimoji="1" lang="en-US" altLang="zh-CN" sz="1200" dirty="0" smtClean="0">
+              <a:solidFill>
+                <a:schemeClr val="bg1"/>
+              </a:solidFill>
+            </a:endParaRPr>
+          </a:p>
+          <a:p>
+            <a:pPr algn="ctr"/>
+            <a:r>
+              <a:rPr kumimoji="1" lang="en-US" altLang="zh-CN" sz="1200" dirty="0" err="1">
+                <a:solidFill>
+                  <a:schemeClr val="bg1"/>
+                </a:solidFill>
+              </a:rPr>
+              <a:t>g</a:t>
+            </a:r>
+            <a:r>
+              <a:rPr kumimoji="1" lang="en-US" altLang="zh-CN" sz="1200" dirty="0" err="1" smtClean="0">
+                <a:solidFill>
+                  <a:schemeClr val="bg1"/>
+                </a:solidFill>
+              </a:rPr>
+              <a:t>it</a:t>
+            </a:r>
+            <a:r>
+              <a:rPr kumimoji="1" lang="en-US" altLang="zh-CN" sz="1200" dirty="0" smtClean="0">
+                <a:solidFill>
+                  <a:schemeClr val="bg1"/>
+                </a:solidFill>
+              </a:rPr>
+              <a:t> </a:t>
+            </a:r>
+            <a:r>
+              <a:rPr kumimoji="1" lang="en-US" altLang="zh-CN" sz="1200" dirty="0" err="1" smtClean="0">
+                <a:solidFill>
+                  <a:schemeClr val="bg1"/>
+                </a:solidFill>
+              </a:rPr>
+              <a:t>url</a:t>
+            </a:r>
+            <a:r>
+              <a:rPr kumimoji="1" lang="en-US" altLang="zh-CN" sz="1200" dirty="0">
+                <a:solidFill>
+                  <a:schemeClr val="bg1"/>
+                </a:solidFill>
+              </a:rPr>
+              <a:t>: https://</a:t>
+            </a:r>
+            <a:r>
+              <a:rPr kumimoji="1" lang="en-US" altLang="zh-CN" sz="1200" dirty="0" err="1">
+                <a:solidFill>
+                  <a:schemeClr val="bg1"/>
+                </a:solidFill>
+              </a:rPr>
+              <a:t>github.com</a:t>
+            </a:r>
+            <a:r>
+              <a:rPr kumimoji="1" lang="en-US" altLang="zh-CN" sz="1200" dirty="0">
+                <a:solidFill>
+                  <a:schemeClr val="bg1"/>
+                </a:solidFill>
+              </a:rPr>
+              <a:t>/pagarwal123/</a:t>
+            </a:r>
+            <a:r>
+              <a:rPr kumimoji="1" lang="en-US" altLang="zh-CN" sz="1200" dirty="0" err="1">
+                <a:solidFill>
+                  <a:schemeClr val="bg1"/>
+                </a:solidFill>
+              </a:rPr>
+              <a:t>Vowpal-Wabbit</a:t>
+            </a:r>
+            <a:r>
+              <a:rPr kumimoji="1" lang="zh-CN" altLang="en-US" sz="1200" dirty="0" smtClean="0">
                 <a:solidFill>
                   <a:schemeClr val="bg1"/>
                 </a:solidFill>
               </a:rPr>
               <a:t>   </a:t>
             </a:r>
-            <a:endParaRPr kumimoji="1" lang="en-US" altLang="zh-CN" sz="4000" dirty="0">
+            <a:endParaRPr kumimoji="1" lang="en-US" altLang="zh-CN" sz="1200" dirty="0">
               <a:solidFill>
                 <a:schemeClr val="bg1"/>
               </a:solidFill>
@@ -1819,7 +1891,7 @@
   <p:timing>
     <p:tnLst>
       <p:par>
-        <p:cTn id="1" dur="indefinite" restart="never" nodeType="tmRoot"/>
+        <p:cTn xmlns:p14="http://schemas.microsoft.com/office/powerpoint/2010/main" id="1" dur="indefinite" restart="never" nodeType="tmRoot"/>
       </p:par>
     </p:tnLst>
   </p:timing>
@@ -2006,7 +2078,7 @@
         </p:nvGraphicFramePr>
         <p:xfrm>
           <a:off x="508514" y="1658154"/>
-          <a:ext cx="2925150" cy="3218096"/>
+          <a:ext cx="2925150" cy="3218095"/>
         </p:xfrm>
         <a:graphic>
           <a:graphicData uri="http://schemas.openxmlformats.org/drawingml/2006/table">
@@ -2223,18 +2295,7 @@
                           <a:ea typeface="+mn-ea"/>
                           <a:cs typeface="+mn-cs"/>
                         </a:rPr>
-                        <a:t>watch</a:t>
-                      </a:r>
-                      <a:r>
-                        <a:rPr lang="de-DE" sz="1400" kern="1200" dirty="0" smtClean="0">
-                          <a:solidFill>
-                            <a:schemeClr val="dk1"/>
-                          </a:solidFill>
-                          <a:latin typeface="+mn-lt"/>
-                          <a:ea typeface="+mn-ea"/>
-                          <a:cs typeface="+mn-cs"/>
-                        </a:rPr>
-                        <a:t>	</a:t>
+                        <a:t>watch	</a:t>
                       </a:r>
                     </a:p>
                   </a:txBody>
@@ -6082,7 +6143,7 @@
   <p:timing>
     <p:tnLst>
       <p:par>
-        <p:cTn id="1" dur="indefinite" restart="never" nodeType="tmRoot"/>
+        <p:cTn xmlns:p14="http://schemas.microsoft.com/office/powerpoint/2010/main" id="1" dur="indefinite" restart="never" nodeType="tmRoot"/>
       </p:par>
     </p:tnLst>
   </p:timing>
@@ -6934,7 +6995,7 @@
   <p:timing>
     <p:tnLst>
       <p:par>
-        <p:cTn id="1" dur="indefinite" restart="never" nodeType="tmRoot"/>
+        <p:cTn xmlns:p14="http://schemas.microsoft.com/office/powerpoint/2010/main" id="1" dur="indefinite" restart="never" nodeType="tmRoot"/>
       </p:par>
     </p:tnLst>
   </p:timing>
@@ -9103,7 +9164,7 @@
   <p:timing>
     <p:tnLst>
       <p:par>
-        <p:cTn id="1" dur="indefinite" restart="never" nodeType="tmRoot"/>
+        <p:cTn xmlns:p14="http://schemas.microsoft.com/office/powerpoint/2010/main" id="1" dur="indefinite" restart="never" nodeType="tmRoot"/>
       </p:par>
     </p:tnLst>
   </p:timing>
@@ -9757,7 +9818,7 @@
   <p:timing>
     <p:tnLst>
       <p:par>
-        <p:cTn id="1" dur="indefinite" restart="never" nodeType="tmRoot"/>
+        <p:cTn xmlns:p14="http://schemas.microsoft.com/office/powerpoint/2010/main" id="1" dur="indefinite" restart="never" nodeType="tmRoot"/>
       </p:par>
     </p:tnLst>
   </p:timing>
@@ -10217,14 +10278,14 @@
           <a:effectLst/>
           <a:extLst>
             <a:ext uri="{909E8E84-426E-40dd-AFC4-6F175D3DCCD1}">
-              <a14:hiddenFill xmlns="" xmlns:a14="http://schemas.microsoft.com/office/drawing/2010/main">
+              <a14:hiddenFill xmlns:a14="http://schemas.microsoft.com/office/drawing/2010/main">
                 <a:solidFill>
                   <a:srgbClr val="FFFFFF"/>
                 </a:solidFill>
               </a14:hiddenFill>
             </a:ext>
             <a:ext uri="{91240B29-F687-4f45-9708-019B960494DF}">
-              <a14:hiddenLine xmlns="" xmlns:a14="http://schemas.microsoft.com/office/drawing/2010/main" w="9525">
+              <a14:hiddenLine xmlns:a14="http://schemas.microsoft.com/office/drawing/2010/main" w="9525">
                 <a:solidFill>
                   <a:srgbClr val="808080"/>
                 </a:solidFill>
@@ -10234,7 +10295,7 @@
               </a14:hiddenLine>
             </a:ext>
             <a:ext uri="{AF507438-7753-43e0-B8FC-AC1667EBCBE1}">
-              <a14:hiddenEffects xmlns="" xmlns:a14="http://schemas.microsoft.com/office/drawing/2010/main">
+              <a14:hiddenEffects xmlns:a14="http://schemas.microsoft.com/office/drawing/2010/main">
                 <a:effectLst>
                   <a:outerShdw blurRad="63500" dist="38099" dir="2700000" algn="ctr" rotWithShape="0">
                     <a:srgbClr val="000000">
@@ -10277,14 +10338,14 @@
           <a:effectLst/>
           <a:extLst>
             <a:ext uri="{909E8E84-426E-40dd-AFC4-6F175D3DCCD1}">
-              <a14:hiddenFill xmlns="" xmlns:a14="http://schemas.microsoft.com/office/drawing/2010/main">
+              <a14:hiddenFill xmlns:a14="http://schemas.microsoft.com/office/drawing/2010/main">
                 <a:solidFill>
                   <a:srgbClr val="FFFFFF"/>
                 </a:solidFill>
               </a14:hiddenFill>
             </a:ext>
             <a:ext uri="{91240B29-F687-4f45-9708-019B960494DF}">
-              <a14:hiddenLine xmlns="" xmlns:a14="http://schemas.microsoft.com/office/drawing/2010/main" w="9525">
+              <a14:hiddenLine xmlns:a14="http://schemas.microsoft.com/office/drawing/2010/main" w="9525">
                 <a:solidFill>
                   <a:srgbClr val="808080"/>
                 </a:solidFill>
@@ -10294,7 +10355,7 @@
               </a14:hiddenLine>
             </a:ext>
             <a:ext uri="{AF507438-7753-43e0-B8FC-AC1667EBCBE1}">
-              <a14:hiddenEffects xmlns="" xmlns:a14="http://schemas.microsoft.com/office/drawing/2010/main">
+              <a14:hiddenEffects xmlns:a14="http://schemas.microsoft.com/office/drawing/2010/main">
                 <a:effectLst>
                   <a:outerShdw blurRad="63500" dist="38099" dir="2700000" algn="ctr" rotWithShape="0">
                     <a:srgbClr val="000000">
@@ -10350,7 +10411,7 @@
           <a:effectLst/>
           <a:extLst>
             <a:ext uri="{909E8E84-426E-40dd-AFC4-6F175D3DCCD1}">
-              <a14:hiddenFill xmlns="" xmlns:a14="http://schemas.microsoft.com/office/drawing/2010/main">
+              <a14:hiddenFill xmlns:a14="http://schemas.microsoft.com/office/drawing/2010/main">
                 <a:blipFill dpi="0" rotWithShape="0">
                   <a:blip/>
                   <a:srcRect/>
@@ -10361,7 +10422,7 @@
               </a14:hiddenFill>
             </a:ext>
             <a:ext uri="{91240B29-F687-4f45-9708-019B960494DF}">
-              <a14:hiddenLine xmlns="" xmlns:a14="http://schemas.microsoft.com/office/drawing/2010/main" w="9525">
+              <a14:hiddenLine xmlns:a14="http://schemas.microsoft.com/office/drawing/2010/main" w="9525">
                 <a:solidFill>
                   <a:srgbClr val="808080"/>
                 </a:solidFill>
@@ -10371,7 +10432,7 @@
               </a14:hiddenLine>
             </a:ext>
             <a:ext uri="{AF507438-7753-43e0-B8FC-AC1667EBCBE1}">
-              <a14:hiddenEffects xmlns="" xmlns:a14="http://schemas.microsoft.com/office/drawing/2010/main">
+              <a14:hiddenEffects xmlns:a14="http://schemas.microsoft.com/office/drawing/2010/main">
                 <a:effectLst>
                   <a:outerShdw blurRad="63500" dist="38099" dir="2700000" algn="ctr" rotWithShape="0">
                     <a:srgbClr val="000000">
@@ -10433,11 +10494,11 @@
   <p:clrMapOvr>
     <a:masterClrMapping/>
   </p:clrMapOvr>
-  <p:transition spd="med"/>
+  <p:transition xmlns:p14="http://schemas.microsoft.com/office/powerpoint/2010/main" spd="med"/>
   <p:timing>
     <p:tnLst>
       <p:par>
-        <p:cTn id="1" dur="indefinite" restart="never" nodeType="tmRoot">
+        <p:cTn xmlns:p14="http://schemas.microsoft.com/office/powerpoint/2010/main" id="1" dur="indefinite" restart="never" nodeType="tmRoot">
           <p:childTnLst>
             <p:seq concurrent="1" nextAc="seek">
               <p:cTn id="2" dur="indefinite" nodeType="mainSeq"/>
@@ -11200,14 +11261,14 @@
           <a:effectLst/>
           <a:extLst>
             <a:ext uri="{909E8E84-426E-40dd-AFC4-6F175D3DCCD1}">
-              <a14:hiddenFill xmlns="" xmlns:a14="http://schemas.microsoft.com/office/drawing/2010/main">
+              <a14:hiddenFill xmlns:a14="http://schemas.microsoft.com/office/drawing/2010/main">
                 <a:solidFill>
                   <a:srgbClr val="FFFFFF"/>
                 </a:solidFill>
               </a14:hiddenFill>
             </a:ext>
             <a:ext uri="{91240B29-F687-4f45-9708-019B960494DF}">
-              <a14:hiddenLine xmlns="" xmlns:a14="http://schemas.microsoft.com/office/drawing/2010/main" w="9525">
+              <a14:hiddenLine xmlns:a14="http://schemas.microsoft.com/office/drawing/2010/main" w="9525">
                 <a:solidFill>
                   <a:srgbClr val="808080"/>
                 </a:solidFill>
@@ -11217,7 +11278,7 @@
               </a14:hiddenLine>
             </a:ext>
             <a:ext uri="{AF507438-7753-43e0-B8FC-AC1667EBCBE1}">
-              <a14:hiddenEffects xmlns="" xmlns:a14="http://schemas.microsoft.com/office/drawing/2010/main">
+              <a14:hiddenEffects xmlns:a14="http://schemas.microsoft.com/office/drawing/2010/main">
                 <a:effectLst>
                   <a:outerShdw blurRad="63500" dist="38099" dir="2700000" algn="ctr" rotWithShape="0">
                     <a:srgbClr val="000000">
@@ -11812,7 +11873,7 @@
         <p:spPr/>
         <p:txBody>
           <a:bodyPr>
-            <a:normAutofit fontScale="85000" lnSpcReduction="10000"/>
+            <a:normAutofit fontScale="92500" lnSpcReduction="20000"/>
           </a:bodyPr>
           <a:lstStyle/>
           <a:p>
@@ -11971,23 +12032,7 @@
                   <a:srgbClr val="33CC66"/>
                 </a:solidFill>
               </a:rPr>
-              <a:t> features </a:t>
-            </a:r>
-            <a:r>
-              <a:rPr lang="en-US" dirty="0" smtClean="0">
-                <a:solidFill>
-                  <a:srgbClr val="33CC66"/>
-                </a:solidFill>
-              </a:rPr>
-              <a:t>in natural-language </a:t>
-            </a:r>
-            <a:r>
-              <a:rPr lang="en-US" dirty="0" smtClean="0">
-                <a:solidFill>
-                  <a:srgbClr val="33CC66"/>
-                </a:solidFill>
-              </a:rPr>
-              <a:t>like manner (stretching the hash trick):</a:t>
+              <a:t> features in natural-language like manner (stretching the hash trick):</a:t>
             </a:r>
           </a:p>
           <a:p>
@@ -12601,14 +12646,14 @@
           <a:effectLst/>
           <a:extLst>
             <a:ext uri="{909E8E84-426E-40dd-AFC4-6F175D3DCCD1}">
-              <a14:hiddenFill xmlns="" xmlns:a14="http://schemas.microsoft.com/office/drawing/2010/main">
+              <a14:hiddenFill xmlns:a14="http://schemas.microsoft.com/office/drawing/2010/main">
                 <a:solidFill>
                   <a:srgbClr val="FFFFFF"/>
                 </a:solidFill>
               </a14:hiddenFill>
             </a:ext>
             <a:ext uri="{91240B29-F687-4f45-9708-019B960494DF}">
-              <a14:hiddenLine xmlns="" xmlns:a14="http://schemas.microsoft.com/office/drawing/2010/main" w="9525">
+              <a14:hiddenLine xmlns:a14="http://schemas.microsoft.com/office/drawing/2010/main" w="9525">
                 <a:solidFill>
                   <a:srgbClr val="808080"/>
                 </a:solidFill>
@@ -12618,7 +12663,7 @@
               </a14:hiddenLine>
             </a:ext>
             <a:ext uri="{AF507438-7753-43e0-B8FC-AC1667EBCBE1}">
-              <a14:hiddenEffects xmlns="" xmlns:a14="http://schemas.microsoft.com/office/drawing/2010/main">
+              <a14:hiddenEffects xmlns:a14="http://schemas.microsoft.com/office/drawing/2010/main">
                 <a:effectLst>
                   <a:outerShdw blurRad="63500" dist="38099" dir="2700000" algn="ctr" rotWithShape="0">
                     <a:srgbClr val="000000">
@@ -14076,7 +14121,7 @@
   <a:extraClrSchemeLst/>
   <a:extLst>
     <a:ext uri="{05A4C25C-085E-4340-85A3-A5531E510DB2}">
-      <thm15:themeFamily xmlns:thm15="http://schemas.microsoft.com/office/thememl/2012/main" name="Office Theme" id="{62F939B6-93AF-4DB8-9C6B-D6C7DFDC589F}" vid="{4A3C46E8-61CC-4603-A589-7422A47A8E4A}"/>
+      <thm15:themeFamily xmlns:thm15="http://schemas.microsoft.com/office/thememl/2012/main" xmlns="" name="Office Theme" id="{62F939B6-93AF-4DB8-9C6B-D6C7DFDC589F}" vid="{4A3C46E8-61CC-4603-A589-7422A47A8E4A}"/>
     </a:ext>
   </a:extLst>
 </a:theme>
